--- a/Slides/KendoUI_4Sessions.pptx
+++ b/Slides/KendoUI_4Sessions.pptx
@@ -221,7 +221,7 @@
           <a:p>
             <a:fld id="{61961C56-E9B7-450B-84C2-F8D7A101B2A9}" type="datetimeFigureOut">
               <a:rPr lang="es-ES" smtClean="0"/>
-              <a:t>28/11/2013</a:t>
+              <a:t>03/12/2013</a:t>
             </a:fld>
             <a:endParaRPr lang="es-ES"/>
           </a:p>
@@ -3526,7 +3526,7 @@
             <a:fld id="{B61BEF0D-F0BB-DE4B-95CE-6DB70DBA9567}" type="datetimeFigureOut">
               <a:rPr lang="en-US" dirty="0"/>
               <a:pPr/>
-              <a:t>11/28/2013</a:t>
+              <a:t>12/3/2013</a:t>
             </a:fld>
             <a:endParaRPr lang="en-US" dirty="0"/>
           </a:p>
@@ -3959,7 +3959,7 @@
             <a:fld id="{B61BEF0D-F0BB-DE4B-95CE-6DB70DBA9567}" type="datetimeFigureOut">
               <a:rPr lang="en-US" dirty="0"/>
               <a:pPr/>
-              <a:t>11/28/2013</a:t>
+              <a:t>12/3/2013</a:t>
             </a:fld>
             <a:endParaRPr lang="en-US" dirty="0"/>
           </a:p>
@@ -4206,7 +4206,7 @@
             <a:fld id="{B61BEF0D-F0BB-DE4B-95CE-6DB70DBA9567}" type="datetimeFigureOut">
               <a:rPr lang="en-US" dirty="0"/>
               <a:pPr/>
-              <a:t>11/28/2013</a:t>
+              <a:t>12/3/2013</a:t>
             </a:fld>
             <a:endParaRPr lang="en-US" dirty="0"/>
           </a:p>
@@ -4511,7 +4511,7 @@
             <a:fld id="{B61BEF0D-F0BB-DE4B-95CE-6DB70DBA9567}" type="datetimeFigureOut">
               <a:rPr lang="en-US" dirty="0"/>
               <a:pPr/>
-              <a:t>11/28/2013</a:t>
+              <a:t>12/3/2013</a:t>
             </a:fld>
             <a:endParaRPr lang="en-US" dirty="0"/>
           </a:p>
@@ -4826,7 +4826,7 @@
             <a:fld id="{B61BEF0D-F0BB-DE4B-95CE-6DB70DBA9567}" type="datetimeFigureOut">
               <a:rPr lang="en-US" dirty="0"/>
               <a:pPr/>
-              <a:t>11/28/2013</a:t>
+              <a:t>12/3/2013</a:t>
             </a:fld>
             <a:endParaRPr lang="en-US" dirty="0"/>
           </a:p>
@@ -5125,7 +5125,7 @@
             <a:fld id="{B61BEF0D-F0BB-DE4B-95CE-6DB70DBA9567}" type="datetimeFigureOut">
               <a:rPr lang="en-US" dirty="0"/>
               <a:pPr/>
-              <a:t>11/28/2013</a:t>
+              <a:t>12/3/2013</a:t>
             </a:fld>
             <a:endParaRPr lang="en-US" dirty="0"/>
           </a:p>
@@ -5489,7 +5489,7 @@
             <a:fld id="{B61BEF0D-F0BB-DE4B-95CE-6DB70DBA9567}" type="datetimeFigureOut">
               <a:rPr lang="en-US" dirty="0"/>
               <a:pPr/>
-              <a:t>11/28/2013</a:t>
+              <a:t>12/3/2013</a:t>
             </a:fld>
             <a:endParaRPr lang="en-US" dirty="0"/>
           </a:p>
@@ -5660,7 +5660,7 @@
             <a:fld id="{B61BEF0D-F0BB-DE4B-95CE-6DB70DBA9567}" type="datetimeFigureOut">
               <a:rPr lang="en-US" dirty="0"/>
               <a:pPr/>
-              <a:t>11/28/2013</a:t>
+              <a:t>12/3/2013</a:t>
             </a:fld>
             <a:endParaRPr lang="en-US" dirty="0"/>
           </a:p>
@@ -5837,7 +5837,7 @@
             <a:fld id="{B61BEF0D-F0BB-DE4B-95CE-6DB70DBA9567}" type="datetimeFigureOut">
               <a:rPr lang="en-US" dirty="0"/>
               <a:pPr/>
-              <a:t>11/28/2013</a:t>
+              <a:t>12/3/2013</a:t>
             </a:fld>
             <a:endParaRPr lang="en-US" dirty="0"/>
           </a:p>
@@ -6004,7 +6004,7 @@
             <a:fld id="{B61BEF0D-F0BB-DE4B-95CE-6DB70DBA9567}" type="datetimeFigureOut">
               <a:rPr lang="en-US" dirty="0"/>
               <a:pPr/>
-              <a:t>11/28/2013</a:t>
+              <a:t>12/3/2013</a:t>
             </a:fld>
             <a:endParaRPr lang="en-US" dirty="0"/>
           </a:p>
@@ -6251,7 +6251,7 @@
             <a:fld id="{B61BEF0D-F0BB-DE4B-95CE-6DB70DBA9567}" type="datetimeFigureOut">
               <a:rPr lang="en-US" dirty="0"/>
               <a:pPr/>
-              <a:t>11/28/2013</a:t>
+              <a:t>12/3/2013</a:t>
             </a:fld>
             <a:endParaRPr lang="en-US" dirty="0"/>
           </a:p>
@@ -6484,7 +6484,7 @@
             <a:fld id="{B61BEF0D-F0BB-DE4B-95CE-6DB70DBA9567}" type="datetimeFigureOut">
               <a:rPr lang="en-US" dirty="0"/>
               <a:pPr/>
-              <a:t>11/28/2013</a:t>
+              <a:t>12/3/2013</a:t>
             </a:fld>
             <a:endParaRPr lang="en-US" dirty="0"/>
           </a:p>
@@ -6863,7 +6863,7 @@
             <a:fld id="{B61BEF0D-F0BB-DE4B-95CE-6DB70DBA9567}" type="datetimeFigureOut">
               <a:rPr lang="en-US" dirty="0"/>
               <a:pPr/>
-              <a:t>11/28/2013</a:t>
+              <a:t>12/3/2013</a:t>
             </a:fld>
             <a:endParaRPr lang="en-US" dirty="0"/>
           </a:p>
@@ -6978,7 +6978,7 @@
             <a:fld id="{B61BEF0D-F0BB-DE4B-95CE-6DB70DBA9567}" type="datetimeFigureOut">
               <a:rPr lang="en-US" dirty="0"/>
               <a:pPr/>
-              <a:t>11/28/2013</a:t>
+              <a:t>12/3/2013</a:t>
             </a:fld>
             <a:endParaRPr lang="en-US" dirty="0"/>
           </a:p>
@@ -7070,7 +7070,7 @@
             <a:fld id="{B61BEF0D-F0BB-DE4B-95CE-6DB70DBA9567}" type="datetimeFigureOut">
               <a:rPr lang="en-US" dirty="0"/>
               <a:pPr/>
-              <a:t>11/28/2013</a:t>
+              <a:t>12/3/2013</a:t>
             </a:fld>
             <a:endParaRPr lang="en-US" dirty="0"/>
           </a:p>
@@ -7322,7 +7322,7 @@
             <a:fld id="{B61BEF0D-F0BB-DE4B-95CE-6DB70DBA9567}" type="datetimeFigureOut">
               <a:rPr lang="en-US" dirty="0"/>
               <a:pPr/>
-              <a:t>11/28/2013</a:t>
+              <a:t>12/3/2013</a:t>
             </a:fld>
             <a:endParaRPr lang="en-US" dirty="0"/>
           </a:p>
@@ -7602,7 +7602,7 @@
             <a:fld id="{B61BEF0D-F0BB-DE4B-95CE-6DB70DBA9567}" type="datetimeFigureOut">
               <a:rPr lang="en-US" dirty="0"/>
               <a:pPr/>
-              <a:t>11/28/2013</a:t>
+              <a:t>12/3/2013</a:t>
             </a:fld>
             <a:endParaRPr lang="en-US" dirty="0"/>
           </a:p>
@@ -8005,7 +8005,7 @@
             <a:fld id="{B61BEF0D-F0BB-DE4B-95CE-6DB70DBA9567}" type="datetimeFigureOut">
               <a:rPr lang="en-US" dirty="0"/>
               <a:pPr/>
-              <a:t>11/28/2013</a:t>
+              <a:t>12/3/2013</a:t>
             </a:fld>
             <a:endParaRPr lang="en-US" dirty="0"/>
           </a:p>
@@ -13404,7 +13404,17 @@
                 <a:latin typeface="Segoe UI" panose="020B0502040204020203" pitchFamily="34" charset="0"/>
                 <a:cs typeface="Segoe UI" panose="020B0502040204020203" pitchFamily="34" charset="0"/>
               </a:rPr>
-              <a:t>Porqué Kendo UI?</a:t>
+              <a:t>¿Por qué </a:t>
+            </a:r>
+            <a:r>
+              <a:rPr lang="es-ES" sz="3600" dirty="0" smtClean="0">
+                <a:solidFill>
+                  <a:schemeClr val="tx1"/>
+                </a:solidFill>
+                <a:latin typeface="Segoe UI" panose="020B0502040204020203" pitchFamily="34" charset="0"/>
+                <a:cs typeface="Segoe UI" panose="020B0502040204020203" pitchFamily="34" charset="0"/>
+              </a:rPr>
+              <a:t>Kendo UI?</a:t>
             </a:r>
           </a:p>
           <a:p>
@@ -13420,7 +13430,37 @@
                 <a:latin typeface="Segoe UI" panose="020B0502040204020203" pitchFamily="34" charset="0"/>
                 <a:cs typeface="Segoe UI" panose="020B0502040204020203" pitchFamily="34" charset="0"/>
               </a:rPr>
-              <a:t>Y por donde empezar?</a:t>
+              <a:t>¿Y </a:t>
+            </a:r>
+            <a:r>
+              <a:rPr lang="es-ES" sz="3600" dirty="0" smtClean="0">
+                <a:solidFill>
+                  <a:schemeClr val="tx1"/>
+                </a:solidFill>
+                <a:latin typeface="Segoe UI" panose="020B0502040204020203" pitchFamily="34" charset="0"/>
+                <a:cs typeface="Segoe UI" panose="020B0502040204020203" pitchFamily="34" charset="0"/>
+              </a:rPr>
+              <a:t>por </a:t>
+            </a:r>
+            <a:r>
+              <a:rPr lang="es-ES" sz="3600" dirty="0" smtClean="0">
+                <a:solidFill>
+                  <a:schemeClr val="tx1"/>
+                </a:solidFill>
+                <a:latin typeface="Segoe UI" panose="020B0502040204020203" pitchFamily="34" charset="0"/>
+                <a:cs typeface="Segoe UI" panose="020B0502040204020203" pitchFamily="34" charset="0"/>
+              </a:rPr>
+              <a:t>dónde </a:t>
+            </a:r>
+            <a:r>
+              <a:rPr lang="es-ES" sz="3600" dirty="0" smtClean="0">
+                <a:solidFill>
+                  <a:schemeClr val="tx1"/>
+                </a:solidFill>
+                <a:latin typeface="Segoe UI" panose="020B0502040204020203" pitchFamily="34" charset="0"/>
+                <a:cs typeface="Segoe UI" panose="020B0502040204020203" pitchFamily="34" charset="0"/>
+              </a:rPr>
+              <a:t>empezar?</a:t>
             </a:r>
           </a:p>
           <a:p>
@@ -13452,7 +13492,17 @@
                 <a:latin typeface="Segoe UI" panose="020B0502040204020203" pitchFamily="34" charset="0"/>
                 <a:cs typeface="Segoe UI" panose="020B0502040204020203" pitchFamily="34" charset="0"/>
               </a:rPr>
-              <a:t>El futuro?</a:t>
+              <a:t>¿El </a:t>
+            </a:r>
+            <a:r>
+              <a:rPr lang="es-ES" sz="3600" dirty="0" smtClean="0">
+                <a:solidFill>
+                  <a:schemeClr val="tx1"/>
+                </a:solidFill>
+                <a:latin typeface="Segoe UI" panose="020B0502040204020203" pitchFamily="34" charset="0"/>
+                <a:cs typeface="Segoe UI" panose="020B0502040204020203" pitchFamily="34" charset="0"/>
+              </a:rPr>
+              <a:t>futuro?</a:t>
             </a:r>
           </a:p>
           <a:p>
@@ -14277,27 +14327,7 @@
                 <a:latin typeface="Segoe UI" panose="020B0502040204020203" pitchFamily="34" charset="0"/>
                 <a:cs typeface="Segoe UI" panose="020B0502040204020203" pitchFamily="34" charset="0"/>
               </a:rPr>
-              <a:t>Todo lo que necesitas para construir </a:t>
-            </a:r>
-            <a:r>
-              <a:rPr lang="es-ES" sz="3600" dirty="0" smtClean="0">
-                <a:solidFill>
-                  <a:schemeClr val="tx1"/>
-                </a:solidFill>
-                <a:latin typeface="Segoe UI" panose="020B0502040204020203" pitchFamily="34" charset="0"/>
-                <a:cs typeface="Segoe UI" panose="020B0502040204020203" pitchFamily="34" charset="0"/>
-              </a:rPr>
-              <a:t>webs HTML5+JS &amp; Apps, en </a:t>
-            </a:r>
-            <a:r>
-              <a:rPr lang="es-ES" sz="3600" dirty="0" smtClean="0">
-                <a:solidFill>
-                  <a:schemeClr val="tx1"/>
-                </a:solidFill>
-                <a:latin typeface="Segoe UI" panose="020B0502040204020203" pitchFamily="34" charset="0"/>
-                <a:cs typeface="Segoe UI" panose="020B0502040204020203" pitchFamily="34" charset="0"/>
-              </a:rPr>
-              <a:t>un solo lugar</a:t>
+              <a:t>Todo lo que necesitas para construir webs HTML5+JS &amp; Apps, en un solo lugar</a:t>
             </a:r>
             <a:endParaRPr lang="es-ES" sz="3600" dirty="0">
               <a:solidFill>
@@ -15099,17 +15129,7 @@
                 <a:latin typeface="Segoe UI" panose="020B0502040204020203" pitchFamily="34" charset="0"/>
                 <a:cs typeface="Segoe UI" panose="020B0502040204020203" pitchFamily="34" charset="0"/>
               </a:rPr>
-              <a:t>Adaptación a </a:t>
-            </a:r>
-            <a:r>
-              <a:rPr lang="es-ES" sz="3600" dirty="0" smtClean="0">
-                <a:solidFill>
-                  <a:schemeClr val="tx1"/>
-                </a:solidFill>
-                <a:latin typeface="Segoe UI" panose="020B0502040204020203" pitchFamily="34" charset="0"/>
-                <a:cs typeface="Segoe UI" panose="020B0502040204020203" pitchFamily="34" charset="0"/>
-              </a:rPr>
-              <a:t>dispositivos móviles</a:t>
+              <a:t>Adaptación a dispositivos móviles</a:t>
             </a:r>
           </a:p>
           <a:p>
@@ -15127,13 +15147,6 @@
               </a:rPr>
               <a:t>….</a:t>
             </a:r>
-            <a:endParaRPr lang="es-ES" sz="3600" dirty="0" smtClean="0">
-              <a:solidFill>
-                <a:schemeClr val="tx1"/>
-              </a:solidFill>
-              <a:latin typeface="Segoe UI" panose="020B0502040204020203" pitchFamily="34" charset="0"/>
-              <a:cs typeface="Segoe UI" panose="020B0502040204020203" pitchFamily="34" charset="0"/>
-            </a:endParaRPr>
           </a:p>
           <a:p>
             <a:endParaRPr lang="es-ES" sz="3600" dirty="0">
